--- a/9635119_Aashish_Aryal_STW307CR_InteractivePervasiveComputing.pptx
+++ b/9635119_Aashish_Aryal_STW307CR_InteractivePervasiveComputing.pptx
@@ -237,7 +237,7 @@
           <a:p>
             <a:fld id="{866D81A9-CFC2-4640-899E-DD3E177BE50A}" type="datetimeFigureOut">
               <a:rPr lang="en-US" smtClean="0"/>
-              <a:t>5/24/2019</a:t>
+              <a:t>5/26/2019</a:t>
             </a:fld>
             <a:endParaRPr lang="en-US" dirty="0"/>
           </a:p>
@@ -414,7 +414,7 @@
           <a:p>
             <a:fld id="{AA1E50F4-C55A-473A-A70B-4B042EF011A9}" type="datetimeFigureOut">
               <a:rPr lang="en-US" smtClean="0"/>
-              <a:t>5/24/2019</a:t>
+              <a:t>5/26/2019</a:t>
             </a:fld>
             <a:endParaRPr lang="en-US" dirty="0"/>
           </a:p>
@@ -1247,7 +1247,7 @@
             <a:fld id="{87DE6118-2437-4B30-8E3C-4D2BE6020583}" type="datetimeFigureOut">
               <a:rPr lang="en-US" smtClean="0"/>
               <a:pPr/>
-              <a:t>5/24/2019</a:t>
+              <a:t>5/26/2019</a:t>
             </a:fld>
             <a:endParaRPr lang="en-US" dirty="0"/>
           </a:p>
@@ -1583,7 +1583,7 @@
             <a:fld id="{87DE6118-2437-4B30-8E3C-4D2BE6020583}" type="datetimeFigureOut">
               <a:rPr lang="en-US" smtClean="0"/>
               <a:pPr/>
-              <a:t>5/24/2019</a:t>
+              <a:t>5/26/2019</a:t>
             </a:fld>
             <a:endParaRPr lang="en-US" dirty="0"/>
           </a:p>
@@ -1863,7 +1863,7 @@
             <a:fld id="{87DE6118-2437-4B30-8E3C-4D2BE6020583}" type="datetimeFigureOut">
               <a:rPr lang="en-US" smtClean="0"/>
               <a:pPr/>
-              <a:t>5/24/2019</a:t>
+              <a:t>5/26/2019</a:t>
             </a:fld>
             <a:endParaRPr lang="en-US" dirty="0"/>
           </a:p>
@@ -2433,7 +2433,7 @@
             <a:fld id="{87DE6118-2437-4B30-8E3C-4D2BE6020583}" type="datetimeFigureOut">
               <a:rPr lang="en-US" smtClean="0"/>
               <a:pPr/>
-              <a:t>5/24/2019</a:t>
+              <a:t>5/26/2019</a:t>
             </a:fld>
             <a:endParaRPr lang="en-US" dirty="0"/>
           </a:p>
@@ -2713,7 +2713,7 @@
             <a:fld id="{87DE6118-2437-4B30-8E3C-4D2BE6020583}" type="datetimeFigureOut">
               <a:rPr lang="en-US" smtClean="0"/>
               <a:pPr/>
-              <a:t>5/24/2019</a:t>
+              <a:t>5/26/2019</a:t>
             </a:fld>
             <a:endParaRPr lang="en-US" dirty="0"/>
           </a:p>
@@ -3277,7 +3277,7 @@
             <a:fld id="{87DE6118-2437-4B30-8E3C-4D2BE6020583}" type="datetimeFigureOut">
               <a:rPr lang="en-US" smtClean="0"/>
               <a:pPr/>
-              <a:t>5/24/2019</a:t>
+              <a:t>5/26/2019</a:t>
             </a:fld>
             <a:endParaRPr lang="en-US" dirty="0"/>
           </a:p>
@@ -3606,7 +3606,7 @@
             <a:fld id="{87DE6118-2437-4B30-8E3C-4D2BE6020583}" type="datetimeFigureOut">
               <a:rPr lang="en-US" smtClean="0"/>
               <a:pPr/>
-              <a:t>5/24/2019</a:t>
+              <a:t>5/26/2019</a:t>
             </a:fld>
             <a:endParaRPr lang="en-US" dirty="0"/>
           </a:p>
@@ -3812,7 +3812,7 @@
           <a:p>
             <a:fld id="{87DE6118-2437-4B30-8E3C-4D2BE6020583}" type="datetimeFigureOut">
               <a:rPr lang="en-US" smtClean="0"/>
-              <a:t>5/24/2019</a:t>
+              <a:t>5/26/2019</a:t>
             </a:fld>
             <a:endParaRPr lang="en-US" dirty="0"/>
           </a:p>
@@ -4022,7 +4022,7 @@
           <a:p>
             <a:fld id="{87DE6118-2437-4B30-8E3C-4D2BE6020583}" type="datetimeFigureOut">
               <a:rPr lang="en-US" smtClean="0"/>
-              <a:t>5/24/2019</a:t>
+              <a:t>5/26/2019</a:t>
             </a:fld>
             <a:endParaRPr lang="en-US" dirty="0"/>
           </a:p>
@@ -4222,7 +4222,7 @@
           <a:p>
             <a:fld id="{87DE6118-2437-4B30-8E3C-4D2BE6020583}" type="datetimeFigureOut">
               <a:rPr lang="en-US" smtClean="0"/>
-              <a:t>5/24/2019</a:t>
+              <a:t>5/26/2019</a:t>
             </a:fld>
             <a:endParaRPr lang="en-US" dirty="0"/>
           </a:p>
@@ -4499,7 +4499,7 @@
             <a:fld id="{87DE6118-2437-4B30-8E3C-4D2BE6020583}" type="datetimeFigureOut">
               <a:rPr lang="en-US" smtClean="0"/>
               <a:pPr/>
-              <a:t>5/24/2019</a:t>
+              <a:t>5/26/2019</a:t>
             </a:fld>
             <a:endParaRPr lang="en-US" dirty="0"/>
           </a:p>
@@ -4766,7 +4766,7 @@
           <a:p>
             <a:fld id="{87DE6118-2437-4B30-8E3C-4D2BE6020583}" type="datetimeFigureOut">
               <a:rPr lang="en-US" smtClean="0"/>
-              <a:t>5/24/2019</a:t>
+              <a:t>5/26/2019</a:t>
             </a:fld>
             <a:endParaRPr lang="en-US" dirty="0"/>
           </a:p>
@@ -5140,7 +5140,7 @@
           <a:p>
             <a:fld id="{87DE6118-2437-4B30-8E3C-4D2BE6020583}" type="datetimeFigureOut">
               <a:rPr lang="en-US" smtClean="0"/>
-              <a:t>5/24/2019</a:t>
+              <a:t>5/26/2019</a:t>
             </a:fld>
             <a:endParaRPr lang="en-US" dirty="0"/>
           </a:p>
@@ -5288,7 +5288,7 @@
           <a:p>
             <a:fld id="{87DE6118-2437-4B30-8E3C-4D2BE6020583}" type="datetimeFigureOut">
               <a:rPr lang="en-US" smtClean="0"/>
-              <a:t>5/24/2019</a:t>
+              <a:t>5/26/2019</a:t>
             </a:fld>
             <a:endParaRPr lang="en-US" dirty="0"/>
           </a:p>
@@ -5413,7 +5413,7 @@
           <a:p>
             <a:fld id="{87DE6118-2437-4B30-8E3C-4D2BE6020583}" type="datetimeFigureOut">
               <a:rPr lang="en-US" smtClean="0"/>
-              <a:t>5/24/2019</a:t>
+              <a:t>5/26/2019</a:t>
             </a:fld>
             <a:endParaRPr lang="en-US" dirty="0"/>
           </a:p>
@@ -5699,7 +5699,7 @@
             <a:fld id="{87DE6118-2437-4B30-8E3C-4D2BE6020583}" type="datetimeFigureOut">
               <a:rPr lang="en-US" smtClean="0"/>
               <a:pPr/>
-              <a:t>5/24/2019</a:t>
+              <a:t>5/26/2019</a:t>
             </a:fld>
             <a:endParaRPr lang="en-US" dirty="0"/>
           </a:p>
@@ -6025,7 +6025,7 @@
             <a:fld id="{87DE6118-2437-4B30-8E3C-4D2BE6020583}" type="datetimeFigureOut">
               <a:rPr lang="en-US" smtClean="0"/>
               <a:pPr/>
-              <a:t>5/24/2019</a:t>
+              <a:t>5/26/2019</a:t>
             </a:fld>
             <a:endParaRPr lang="en-US" dirty="0"/>
           </a:p>
@@ -6241,7 +6241,7 @@
             <a:fld id="{87DE6118-2437-4B30-8E3C-4D2BE6020583}" type="datetimeFigureOut">
               <a:rPr lang="en-US" smtClean="0"/>
               <a:pPr/>
-              <a:t>5/24/2019</a:t>
+              <a:t>5/26/2019</a:t>
             </a:fld>
             <a:endParaRPr lang="en-US" dirty="0"/>
           </a:p>
@@ -7065,14 +7065,14 @@
             </a:pPr>
             <a:r>
               <a:rPr lang="en-US" u="sng" dirty="0"/>
-              <a:t>Internal Planting/Lawn</a:t>
+              <a:t>Lawn</a:t>
             </a:r>
             <a:endParaRPr lang="en-US" dirty="0"/>
           </a:p>
           <a:p>
             <a:r>
               <a:rPr lang="en-US" dirty="0"/>
-              <a:t>This system is also suitable for small internal Lawn. This will help to increase greenery in your Lawn without any human interaction.</a:t>
+              <a:t>This system is also suitable for  Lawn. This will help to increase greenery in your Lawn without any human interaction.</a:t>
             </a:r>
           </a:p>
           <a:p>
@@ -18059,15 +18059,6 @@
 </file>
 
 <file path=customXml/item2.xml><?xml version="1.0" encoding="utf-8"?>
-<?mso-contentType ?>
-<FormTemplates xmlns="http://schemas.microsoft.com/sharepoint/v3/contenttype/forms">
-  <Display>DocumentLibraryForm</Display>
-  <Edit>DocumentLibraryForm</Edit>
-  <New>DocumentLibraryForm</New>
-</FormTemplates>
-</file>
-
-<file path=customXml/item3.xml><?xml version="1.0" encoding="utf-8"?>
 <ct:contentTypeSchema xmlns:ct="http://schemas.microsoft.com/office/2006/metadata/contentType" xmlns:ma="http://schemas.microsoft.com/office/2006/metadata/properties/metaAttributes" ct:_="" ma:_="" ma:contentTypeName="Document" ma:contentTypeID="0x01010079F111ED35F8CC479449609E8A0923A6" ma:contentTypeVersion="11" ma:contentTypeDescription="Create a new document." ma:contentTypeScope="" ma:versionID="9677210f24a1be23c92c90fd886aa0aa">
   <xsd:schema xmlns:xsd="http://www.w3.org/2001/XMLSchema" xmlns:xs="http://www.w3.org/2001/XMLSchema" xmlns:p="http://schemas.microsoft.com/office/2006/metadata/properties" xmlns:ns2="71af3243-3dd4-4a8d-8c0d-dd76da1f02a5" xmlns:ns3="16c05727-aa75-4e4a-9b5f-8a80a1165891" targetNamespace="http://schemas.microsoft.com/office/2006/metadata/properties" ma:root="true" ma:fieldsID="60e05723c5c1908df1a1a4ebf11d344e" ns2:_="" ns3:_="">
     <xsd:import namespace="71af3243-3dd4-4a8d-8c0d-dd76da1f02a5"/>
@@ -18278,6 +18269,15 @@
 </ct:contentTypeSchema>
 </file>
 
+<file path=customXml/item3.xml><?xml version="1.0" encoding="utf-8"?>
+<?mso-contentType ?>
+<FormTemplates xmlns="http://schemas.microsoft.com/sharepoint/v3/contenttype/forms">
+  <Display>DocumentLibraryForm</Display>
+  <Edit>DocumentLibraryForm</Edit>
+  <New>DocumentLibraryForm</New>
+</FormTemplates>
+</file>
+
 <file path=customXml/itemProps1.xml><?xml version="1.0" encoding="utf-8"?>
 <ds:datastoreItem xmlns:ds="http://schemas.openxmlformats.org/officeDocument/2006/customXml" ds:itemID="{4415B3C4-7FB6-414C-8C24-8862C0E6C9F3}">
   <ds:schemaRefs>
@@ -18289,14 +18289,6 @@
 </file>
 
 <file path=customXml/itemProps2.xml><?xml version="1.0" encoding="utf-8"?>
-<ds:datastoreItem xmlns:ds="http://schemas.openxmlformats.org/officeDocument/2006/customXml" ds:itemID="{CE12C2FA-3740-4055-BA8A-74A1458F4A51}">
-  <ds:schemaRefs>
-    <ds:schemaRef ds:uri="http://schemas.microsoft.com/sharepoint/v3/contenttype/forms"/>
-  </ds:schemaRefs>
-</ds:datastoreItem>
-</file>
-
-<file path=customXml/itemProps3.xml><?xml version="1.0" encoding="utf-8"?>
 <ds:datastoreItem xmlns:ds="http://schemas.openxmlformats.org/officeDocument/2006/customXml" ds:itemID="{C94D8E57-4A0C-4C18-9517-59F50323F015}">
   <ds:schemaRefs>
     <ds:schemaRef ds:uri="http://schemas.microsoft.com/office/2006/metadata/contentType"/>
@@ -18313,4 +18305,12 @@
     <ds:schemaRef ds:uri="http://schemas.microsoft.com/internal/obd"/>
   </ds:schemaRefs>
 </ds:datastoreItem>
+</file>
+
+<file path=customXml/itemProps3.xml><?xml version="1.0" encoding="utf-8"?>
+<ds:datastoreItem xmlns:ds="http://schemas.openxmlformats.org/officeDocument/2006/customXml" ds:itemID="{CE12C2FA-3740-4055-BA8A-74A1458F4A51}">
+  <ds:schemaRefs>
+    <ds:schemaRef ds:uri="http://schemas.microsoft.com/sharepoint/v3/contenttype/forms"/>
+  </ds:schemaRefs>
+</ds:datastoreItem>
 </file>